--- a/chapter1/ASE_1_SoftwareEngineering.pptx
+++ b/chapter1/ASE_1_SoftwareEngineering.pptx
@@ -216,7 +216,7 @@
 <file path=ppt/revisionInfo.xml><?xml version="1.0" encoding="utf-8"?>
 <p1510:revInfo xmlns:a="http://schemas.openxmlformats.org/drawingml/2006/main" xmlns:r="http://schemas.openxmlformats.org/officeDocument/2006/relationships" xmlns:p1510="http://schemas.microsoft.com/office/powerpoint/2015/10/main">
   <p1510:revLst>
-    <p1510:client id="{C7191B37-39E9-464A-80F0-C31627521F9C}" v="598" dt="2018-10-08T05:41:33.289"/>
+    <p1510:client id="{C7191B37-39E9-464A-80F0-C31627521F9C}" v="621" dt="2018-10-08T17:35:29.385"/>
   </p1510:revLst>
 </p1510:revInfo>
 </file>
@@ -226,22 +226,30 @@
   <pc:docChgLst>
     <pc:chgData name="Xin Zou" userId="260b9726081dae15" providerId="LiveId" clId="{C7191B37-39E9-464A-80F0-C31627521F9C}"/>
     <pc:docChg chg="undo custSel addSld delSld modSld sldOrd modMainMaster">
-      <pc:chgData name="Xin Zou" userId="260b9726081dae15" providerId="LiveId" clId="{C7191B37-39E9-464A-80F0-C31627521F9C}" dt="2018-10-08T05:41:34.391" v="2991" actId="27636"/>
+      <pc:chgData name="Xin Zou" userId="260b9726081dae15" providerId="LiveId" clId="{C7191B37-39E9-464A-80F0-C31627521F9C}" dt="2018-10-08T17:35:37.097" v="3108" actId="2711"/>
       <pc:docMkLst>
         <pc:docMk/>
       </pc:docMkLst>
       <pc:sldChg chg="modSp">
-        <pc:chgData name="Xin Zou" userId="260b9726081dae15" providerId="LiveId" clId="{C7191B37-39E9-464A-80F0-C31627521F9C}" dt="2018-10-08T05:41:33.796" v="2981" actId="27636"/>
+        <pc:chgData name="Xin Zou" userId="260b9726081dae15" providerId="LiveId" clId="{C7191B37-39E9-464A-80F0-C31627521F9C}" dt="2018-10-08T17:35:37.097" v="3108" actId="2711"/>
         <pc:sldMkLst>
           <pc:docMk/>
           <pc:sldMk cId="0" sldId="256"/>
         </pc:sldMkLst>
         <pc:spChg chg="mod">
-          <ac:chgData name="Xin Zou" userId="260b9726081dae15" providerId="LiveId" clId="{C7191B37-39E9-464A-80F0-C31627521F9C}" dt="2018-10-08T05:41:33.796" v="2981" actId="27636"/>
+          <ac:chgData name="Xin Zou" userId="260b9726081dae15" providerId="LiveId" clId="{C7191B37-39E9-464A-80F0-C31627521F9C}" dt="2018-10-08T17:35:37.097" v="3108" actId="2711"/>
           <ac:spMkLst>
             <pc:docMk/>
             <pc:sldMk cId="0" sldId="256"/>
             <ac:spMk id="3074" creationId="{00000000-0000-0000-0000-000000000000}"/>
+          </ac:spMkLst>
+        </pc:spChg>
+        <pc:spChg chg="mod">
+          <ac:chgData name="Xin Zou" userId="260b9726081dae15" providerId="LiveId" clId="{C7191B37-39E9-464A-80F0-C31627521F9C}" dt="2018-10-08T17:35:29.459" v="3107" actId="20577"/>
+          <ac:spMkLst>
+            <pc:docMk/>
+            <pc:sldMk cId="0" sldId="256"/>
+            <ac:spMk id="5123" creationId="{00000000-0000-0000-0000-000000000000}"/>
           </ac:spMkLst>
         </pc:spChg>
       </pc:sldChg>
@@ -1818,7 +1826,7 @@
               <a:pPr>
                 <a:defRPr/>
               </a:pPr>
-              <a:t>10/7/2018</a:t>
+              <a:t>10/8/2018</a:t>
             </a:fld>
             <a:endParaRPr lang="en-US"/>
           </a:p>
@@ -5087,7 +5095,7 @@
           <a:p>
             <a:fld id="{48A87A34-81AB-432B-8DAE-1953F412C126}" type="datetimeFigureOut">
               <a:rPr lang="en-US" smtClean="0"/>
-              <a:t>10/7/2018</a:t>
+              <a:t>10/8/2018</a:t>
             </a:fld>
             <a:endParaRPr lang="en-US" dirty="0"/>
           </a:p>
@@ -5369,7 +5377,7 @@
             <a:fld id="{48A87A34-81AB-432B-8DAE-1953F412C126}" type="datetimeFigureOut">
               <a:rPr lang="en-US" smtClean="0"/>
               <a:pPr/>
-              <a:t>10/7/2018</a:t>
+              <a:t>10/8/2018</a:t>
             </a:fld>
             <a:endParaRPr lang="en-US" dirty="0"/>
           </a:p>
@@ -5563,7 +5571,7 @@
             <a:fld id="{48A87A34-81AB-432B-8DAE-1953F412C126}" type="datetimeFigureOut">
               <a:rPr lang="en-US" smtClean="0"/>
               <a:pPr/>
-              <a:t>10/7/2018</a:t>
+              <a:t>10/8/2018</a:t>
             </a:fld>
             <a:endParaRPr lang="en-US" dirty="0"/>
           </a:p>
@@ -5826,7 +5834,7 @@
             <a:fld id="{48A87A34-81AB-432B-8DAE-1953F412C126}" type="datetimeFigureOut">
               <a:rPr lang="en-US" smtClean="0"/>
               <a:pPr/>
-              <a:t>10/7/2018</a:t>
+              <a:t>10/8/2018</a:t>
             </a:fld>
             <a:endParaRPr lang="en-US" dirty="0"/>
           </a:p>
@@ -6254,7 +6262,7 @@
             <a:fld id="{48A87A34-81AB-432B-8DAE-1953F412C126}" type="datetimeFigureOut">
               <a:rPr lang="en-US" smtClean="0"/>
               <a:pPr/>
-              <a:t>10/7/2018</a:t>
+              <a:t>10/8/2018</a:t>
             </a:fld>
             <a:endParaRPr lang="en-US" dirty="0"/>
           </a:p>
@@ -6802,7 +6810,7 @@
             <a:fld id="{48A87A34-81AB-432B-8DAE-1953F412C126}" type="datetimeFigureOut">
               <a:rPr lang="en-US" smtClean="0"/>
               <a:pPr/>
-              <a:t>10/7/2018</a:t>
+              <a:t>10/8/2018</a:t>
             </a:fld>
             <a:endParaRPr lang="en-US" dirty="0"/>
           </a:p>
@@ -7635,7 +7643,7 @@
             <a:fld id="{48A87A34-81AB-432B-8DAE-1953F412C126}" type="datetimeFigureOut">
               <a:rPr lang="en-US" smtClean="0"/>
               <a:pPr/>
-              <a:t>10/7/2018</a:t>
+              <a:t>10/8/2018</a:t>
             </a:fld>
             <a:endParaRPr lang="en-US" dirty="0"/>
           </a:p>
@@ -7806,7 +7814,7 @@
           <a:p>
             <a:fld id="{48A87A34-81AB-432B-8DAE-1953F412C126}" type="datetimeFigureOut">
               <a:rPr lang="en-US" smtClean="0"/>
-              <a:t>10/7/2018</a:t>
+              <a:t>10/8/2018</a:t>
             </a:fld>
             <a:endParaRPr lang="en-US" dirty="0"/>
           </a:p>
@@ -7986,7 +7994,7 @@
           <a:p>
             <a:fld id="{48A87A34-81AB-432B-8DAE-1953F412C126}" type="datetimeFigureOut">
               <a:rPr lang="en-US" smtClean="0"/>
-              <a:t>10/7/2018</a:t>
+              <a:t>10/8/2018</a:t>
             </a:fld>
             <a:endParaRPr lang="en-US" dirty="0"/>
           </a:p>
@@ -8156,7 +8164,7 @@
           <a:p>
             <a:fld id="{48A87A34-81AB-432B-8DAE-1953F412C126}" type="datetimeFigureOut">
               <a:rPr lang="en-US" smtClean="0"/>
-              <a:t>10/7/2018</a:t>
+              <a:t>10/8/2018</a:t>
             </a:fld>
             <a:endParaRPr lang="en-US" dirty="0"/>
           </a:p>
@@ -8413,7 +8421,7 @@
           <a:p>
             <a:fld id="{48A87A34-81AB-432B-8DAE-1953F412C126}" type="datetimeFigureOut">
               <a:rPr lang="en-US" smtClean="0"/>
-              <a:t>10/7/2018</a:t>
+              <a:t>10/8/2018</a:t>
             </a:fld>
             <a:endParaRPr lang="en-US" dirty="0"/>
           </a:p>
@@ -8645,7 +8653,7 @@
           <a:p>
             <a:fld id="{48A87A34-81AB-432B-8DAE-1953F412C126}" type="datetimeFigureOut">
               <a:rPr lang="en-US" smtClean="0"/>
-              <a:t>10/7/2018</a:t>
+              <a:t>10/8/2018</a:t>
             </a:fld>
             <a:endParaRPr lang="en-US" dirty="0"/>
           </a:p>
@@ -9038,7 +9046,7 @@
           <a:p>
             <a:fld id="{48A87A34-81AB-432B-8DAE-1953F412C126}" type="datetimeFigureOut">
               <a:rPr lang="en-US" smtClean="0"/>
-              <a:t>10/7/2018</a:t>
+              <a:t>10/8/2018</a:t>
             </a:fld>
             <a:endParaRPr lang="en-US" dirty="0"/>
           </a:p>
@@ -9156,7 +9164,7 @@
           <a:p>
             <a:fld id="{48A87A34-81AB-432B-8DAE-1953F412C126}" type="datetimeFigureOut">
               <a:rPr lang="en-US" smtClean="0"/>
-              <a:t>10/7/2018</a:t>
+              <a:t>10/8/2018</a:t>
             </a:fld>
             <a:endParaRPr lang="en-US" dirty="0"/>
           </a:p>
@@ -9251,7 +9259,7 @@
           <a:p>
             <a:fld id="{48A87A34-81AB-432B-8DAE-1953F412C126}" type="datetimeFigureOut">
               <a:rPr lang="en-US" smtClean="0"/>
-              <a:t>10/7/2018</a:t>
+              <a:t>10/8/2018</a:t>
             </a:fld>
             <a:endParaRPr lang="en-US" dirty="0"/>
           </a:p>
@@ -9524,7 +9532,7 @@
           <a:p>
             <a:fld id="{48A87A34-81AB-432B-8DAE-1953F412C126}" type="datetimeFigureOut">
               <a:rPr lang="en-US" smtClean="0"/>
-              <a:t>10/7/2018</a:t>
+              <a:t>10/8/2018</a:t>
             </a:fld>
             <a:endParaRPr lang="en-US" dirty="0"/>
           </a:p>
@@ -9805,7 +9813,7 @@
           <a:p>
             <a:fld id="{48A87A34-81AB-432B-8DAE-1953F412C126}" type="datetimeFigureOut">
               <a:rPr lang="en-US" smtClean="0"/>
-              <a:t>10/7/2018</a:t>
+              <a:t>10/8/2018</a:t>
             </a:fld>
             <a:endParaRPr lang="en-US" dirty="0"/>
           </a:p>
@@ -10046,7 +10054,7 @@
             <a:fld id="{48A87A34-81AB-432B-8DAE-1953F412C126}" type="datetimeFigureOut">
               <a:rPr lang="en-US" smtClean="0"/>
               <a:pPr/>
-              <a:t>10/7/2018</a:t>
+              <a:t>10/8/2018</a:t>
             </a:fld>
             <a:endParaRPr lang="en-US" dirty="0"/>
           </a:p>
@@ -10616,7 +10624,7 @@
             <a:spLocks noGrp="1" noChangeArrowheads="1"/>
           </p:cNvSpPr>
           <p:nvPr>
-            <p:ph type="ctrTitle"/>
+            <p:ph type="title"/>
           </p:nvPr>
         </p:nvSpPr>
         <p:spPr>
@@ -10628,7 +10636,7 @@
         </p:spPr>
         <p:txBody>
           <a:bodyPr>
-            <a:normAutofit fontScale="90000"/>
+            <a:normAutofit/>
           </a:bodyPr>
           <a:lstStyle/>
           <a:p>
@@ -10639,7 +10647,7 @@
               <a:rPr lang="zh-CN" altLang="en-US" dirty="0">
                 <a:latin typeface="+mj-ea"/>
               </a:rPr>
-              <a:t>现代软件工程 第一章</a:t>
+              <a:t>软件工程概论</a:t>
             </a:r>
             <a:br>
               <a:rPr lang="en-US" altLang="zh-CN" dirty="0">
@@ -10659,21 +10667,55 @@
             <a:spLocks noGrp="1" noChangeArrowheads="1"/>
           </p:cNvSpPr>
           <p:nvPr>
-            <p:ph type="subTitle" idx="1"/>
+            <p:ph type="body" sz="half" idx="2"/>
           </p:nvPr>
         </p:nvSpPr>
         <p:spPr/>
         <p:txBody>
           <a:bodyPr>
-            <a:normAutofit/>
+            <a:normAutofit fontScale="55000" lnSpcReduction="20000"/>
           </a:bodyPr>
           <a:lstStyle/>
           <a:p>
             <a:r>
+              <a:rPr lang="zh-CN" altLang="en-US" sz="4000" dirty="0">
+                <a:latin typeface="+mj-ea"/>
+              </a:rPr>
+              <a:t>构建之法 </a:t>
+            </a:r>
+            <a:r>
               <a:rPr lang="en-US" altLang="zh-CN" sz="4000" dirty="0">
+                <a:latin typeface="+mj-ea"/>
+              </a:rPr>
+              <a:t>- </a:t>
+            </a:r>
+            <a:r>
+              <a:rPr lang="zh-CN" altLang="en-US" sz="4000" dirty="0">
+                <a:latin typeface="+mj-ea"/>
+              </a:rPr>
+              <a:t>现代软件工程 第一章</a:t>
+            </a:r>
+            <a:endParaRPr lang="en-US" altLang="zh-CN" sz="4000" dirty="0">
+              <a:ea typeface="宋体" pitchFamily="2" charset="-122"/>
+            </a:endParaRPr>
+          </a:p>
+          <a:p>
+            <a:r>
+              <a:rPr lang="zh-CN" altLang="en-US" sz="4000" dirty="0">
                 <a:ea typeface="宋体" pitchFamily="2" charset="-122"/>
               </a:rPr>
-              <a:t>Software Engineering</a:t>
+              <a:t>邹欣</a:t>
+            </a:r>
+            <a:endParaRPr lang="en-US" altLang="zh-CN" sz="4000" dirty="0">
+              <a:ea typeface="宋体" pitchFamily="2" charset="-122"/>
+            </a:endParaRPr>
+          </a:p>
+          <a:p>
+            <a:r>
+              <a:rPr lang="en-US" altLang="zh-CN" sz="4000" dirty="0">
+                <a:ea typeface="SimHei" pitchFamily="49" charset="-122"/>
+              </a:rPr>
+              <a:t>2018</a:t>
             </a:r>
             <a:endParaRPr lang="zh-CN" altLang="en-US" sz="4000" dirty="0">
               <a:ea typeface="SimHei" pitchFamily="49" charset="-122"/>
@@ -21252,18 +21294,18 @@
 </file>
 
 <file path=customXml/item1.xml><?xml version="1.0" encoding="utf-8"?>
+<p:properties xmlns:p="http://schemas.microsoft.com/office/2006/metadata/properties" xmlns:xsi="http://www.w3.org/2001/XMLSchema-instance" xmlns:pc="http://schemas.microsoft.com/office/infopath/2007/PartnerControls">
+  <documentManagement/>
+</p:properties>
+</file>
+
+<file path=customXml/item2.xml><?xml version="1.0" encoding="utf-8"?>
 <?mso-contentType ?>
 <FormTemplates xmlns="http://schemas.microsoft.com/sharepoint/v3/contenttype/forms">
   <Display>DocumentLibraryForm</Display>
   <Edit>DocumentLibraryForm</Edit>
   <New>DocumentLibraryForm</New>
 </FormTemplates>
-</file>
-
-<file path=customXml/item2.xml><?xml version="1.0" encoding="utf-8"?>
-<p:properties xmlns:p="http://schemas.microsoft.com/office/2006/metadata/properties" xmlns:xsi="http://www.w3.org/2001/XMLSchema-instance" xmlns:pc="http://schemas.microsoft.com/office/infopath/2007/PartnerControls">
-  <documentManagement/>
-</p:properties>
 </file>
 
 <file path=customXml/item3.xml><?xml version="1.0" encoding="utf-8"?>
@@ -21381,18 +21423,18 @@
 </file>
 
 <file path=customXml/itemProps1.xml><?xml version="1.0" encoding="utf-8"?>
-<ds:datastoreItem xmlns:ds="http://schemas.openxmlformats.org/officeDocument/2006/customXml" ds:itemID="{152C3F0E-25C3-4B31-B914-3A618B652002}">
+<ds:datastoreItem xmlns:ds="http://schemas.openxmlformats.org/officeDocument/2006/customXml" ds:itemID="{D5495DD4-04CD-4725-AADE-F45F611A52AA}">
   <ds:schemaRefs>
-    <ds:schemaRef ds:uri="http://schemas.microsoft.com/sharepoint/v3/contenttype/forms"/>
+    <ds:schemaRef ds:uri="http://schemas.microsoft.com/office/2006/metadata/properties"/>
+    <ds:schemaRef ds:uri="http://schemas.microsoft.com/office/infopath/2007/PartnerControls"/>
   </ds:schemaRefs>
 </ds:datastoreItem>
 </file>
 
 <file path=customXml/itemProps2.xml><?xml version="1.0" encoding="utf-8"?>
-<ds:datastoreItem xmlns:ds="http://schemas.openxmlformats.org/officeDocument/2006/customXml" ds:itemID="{D5495DD4-04CD-4725-AADE-F45F611A52AA}">
+<ds:datastoreItem xmlns:ds="http://schemas.openxmlformats.org/officeDocument/2006/customXml" ds:itemID="{152C3F0E-25C3-4B31-B914-3A618B652002}">
   <ds:schemaRefs>
-    <ds:schemaRef ds:uri="http://schemas.microsoft.com/office/2006/metadata/properties"/>
-    <ds:schemaRef ds:uri="http://schemas.microsoft.com/office/infopath/2007/PartnerControls"/>
+    <ds:schemaRef ds:uri="http://schemas.microsoft.com/sharepoint/v3/contenttype/forms"/>
   </ds:schemaRefs>
 </ds:datastoreItem>
 </file>

--- a/chapter1/ASE_1_SoftwareEngineering.pptx
+++ b/chapter1/ASE_1_SoftwareEngineering.pptx
@@ -213,16 +213,116 @@
 </p:presentation>
 </file>
 
-<file path=ppt/revisionInfo.xml><?xml version="1.0" encoding="utf-8"?>
-<p1510:revInfo xmlns:a="http://schemas.openxmlformats.org/drawingml/2006/main" xmlns:r="http://schemas.openxmlformats.org/officeDocument/2006/relationships" xmlns:p1510="http://schemas.microsoft.com/office/powerpoint/2015/10/main">
-  <p1510:revLst>
-    <p1510:client id="{C7191B37-39E9-464A-80F0-C31627521F9C}" v="621" dt="2018-10-08T17:35:29.385"/>
-  </p1510:revLst>
-</p1510:revInfo>
-</file>
-
 <file path=ppt/changesInfos/changesInfo1.xml><?xml version="1.0" encoding="utf-8"?>
 <pc:chgInfo xmlns:a="http://schemas.openxmlformats.org/drawingml/2006/main" xmlns:r="http://schemas.openxmlformats.org/officeDocument/2006/relationships" xmlns:ac="http://schemas.microsoft.com/office/drawing/2013/main/command" xmlns:pc="http://schemas.microsoft.com/office/powerpoint/2013/main/command">
+  <pc:docChgLst>
+    <pc:chgData name="Xin Zou" userId="260b9726081dae15" providerId="LiveId" clId="{F7909621-AD8C-4BA3-ADF9-F483C4CE731E}"/>
+    <pc:docChg chg="custSel modSld">
+      <pc:chgData name="Xin Zou" userId="260b9726081dae15" providerId="LiveId" clId="{F7909621-AD8C-4BA3-ADF9-F483C4CE731E}" dt="2019-09-04T03:48:18.046" v="13"/>
+      <pc:docMkLst>
+        <pc:docMk/>
+      </pc:docMkLst>
+      <pc:sldChg chg="modSp">
+        <pc:chgData name="Xin Zou" userId="260b9726081dae15" providerId="LiveId" clId="{F7909621-AD8C-4BA3-ADF9-F483C4CE731E}" dt="2019-09-04T03:30:35.151" v="2"/>
+        <pc:sldMkLst>
+          <pc:docMk/>
+          <pc:sldMk cId="0" sldId="256"/>
+        </pc:sldMkLst>
+        <pc:spChg chg="mod">
+          <ac:chgData name="Xin Zou" userId="260b9726081dae15" providerId="LiveId" clId="{F7909621-AD8C-4BA3-ADF9-F483C4CE731E}" dt="2019-09-04T03:30:35.151" v="2"/>
+          <ac:spMkLst>
+            <pc:docMk/>
+            <pc:sldMk cId="0" sldId="256"/>
+            <ac:spMk id="5123" creationId="{00000000-0000-0000-0000-000000000000}"/>
+          </ac:spMkLst>
+        </pc:spChg>
+      </pc:sldChg>
+      <pc:sldChg chg="modSp">
+        <pc:chgData name="Xin Zou" userId="260b9726081dae15" providerId="LiveId" clId="{F7909621-AD8C-4BA3-ADF9-F483C4CE731E}" dt="2019-09-04T03:32:10.807" v="10" actId="27636"/>
+        <pc:sldMkLst>
+          <pc:docMk/>
+          <pc:sldMk cId="0" sldId="304"/>
+        </pc:sldMkLst>
+        <pc:spChg chg="mod">
+          <ac:chgData name="Xin Zou" userId="260b9726081dae15" providerId="LiveId" clId="{F7909621-AD8C-4BA3-ADF9-F483C4CE731E}" dt="2019-09-04T03:32:10.807" v="10" actId="27636"/>
+          <ac:spMkLst>
+            <pc:docMk/>
+            <pc:sldMk cId="0" sldId="304"/>
+            <ac:spMk id="29699" creationId="{00000000-0000-0000-0000-000000000000}"/>
+          </ac:spMkLst>
+        </pc:spChg>
+      </pc:sldChg>
+      <pc:sldChg chg="modSp">
+        <pc:chgData name="Xin Zou" userId="260b9726081dae15" providerId="LiveId" clId="{F7909621-AD8C-4BA3-ADF9-F483C4CE731E}" dt="2019-09-04T03:48:18.046" v="13"/>
+        <pc:sldMkLst>
+          <pc:docMk/>
+          <pc:sldMk cId="3875081412" sldId="357"/>
+        </pc:sldMkLst>
+        <pc:spChg chg="mod">
+          <ac:chgData name="Xin Zou" userId="260b9726081dae15" providerId="LiveId" clId="{F7909621-AD8C-4BA3-ADF9-F483C4CE731E}" dt="2019-09-04T03:48:18.046" v="13"/>
+          <ac:spMkLst>
+            <pc:docMk/>
+            <pc:sldMk cId="3875081412" sldId="357"/>
+            <ac:spMk id="3" creationId="{DDDF9A79-8643-4F82-A55C-FF3B4DBAD4B2}"/>
+          </ac:spMkLst>
+        </pc:spChg>
+      </pc:sldChg>
+    </pc:docChg>
+  </pc:docChgLst>
+  <pc:docChgLst>
+    <pc:chgData name="Xin Zou" userId="260b9726081dae15" providerId="LiveId" clId="{DEE92855-7029-4449-8D1C-EA3BBA661312}"/>
+    <pc:docChg chg="custSel modSld">
+      <pc:chgData name="Xin Zou" userId="260b9726081dae15" providerId="LiveId" clId="{DEE92855-7029-4449-8D1C-EA3BBA661312}" dt="2019-09-12T02:04:08.103" v="12" actId="1076"/>
+      <pc:docMkLst>
+        <pc:docMk/>
+      </pc:docMkLst>
+      <pc:sldChg chg="modSp">
+        <pc:chgData name="Xin Zou" userId="260b9726081dae15" providerId="LiveId" clId="{DEE92855-7029-4449-8D1C-EA3BBA661312}" dt="2019-09-12T02:02:22.345" v="0" actId="2711"/>
+        <pc:sldMkLst>
+          <pc:docMk/>
+          <pc:sldMk cId="0" sldId="291"/>
+        </pc:sldMkLst>
+        <pc:spChg chg="mod">
+          <ac:chgData name="Xin Zou" userId="260b9726081dae15" providerId="LiveId" clId="{DEE92855-7029-4449-8D1C-EA3BBA661312}" dt="2019-09-12T02:02:22.345" v="0" actId="2711"/>
+          <ac:spMkLst>
+            <pc:docMk/>
+            <pc:sldMk cId="0" sldId="291"/>
+            <ac:spMk id="19458" creationId="{00000000-0000-0000-0000-000000000000}"/>
+          </ac:spMkLst>
+        </pc:spChg>
+      </pc:sldChg>
+      <pc:sldChg chg="modSp">
+        <pc:chgData name="Xin Zou" userId="260b9726081dae15" providerId="LiveId" clId="{DEE92855-7029-4449-8D1C-EA3BBA661312}" dt="2019-09-12T02:03:09.276" v="10" actId="14100"/>
+        <pc:sldMkLst>
+          <pc:docMk/>
+          <pc:sldMk cId="398621879" sldId="343"/>
+        </pc:sldMkLst>
+        <pc:spChg chg="mod">
+          <ac:chgData name="Xin Zou" userId="260b9726081dae15" providerId="LiveId" clId="{DEE92855-7029-4449-8D1C-EA3BBA661312}" dt="2019-09-12T02:03:09.276" v="10" actId="14100"/>
+          <ac:spMkLst>
+            <pc:docMk/>
+            <pc:sldMk cId="398621879" sldId="343"/>
+            <ac:spMk id="3" creationId="{05105991-655B-4992-8AC4-905DE58F2176}"/>
+          </ac:spMkLst>
+        </pc:spChg>
+      </pc:sldChg>
+      <pc:sldChg chg="modSp">
+        <pc:chgData name="Xin Zou" userId="260b9726081dae15" providerId="LiveId" clId="{DEE92855-7029-4449-8D1C-EA3BBA661312}" dt="2019-09-12T02:04:08.103" v="12" actId="1076"/>
+        <pc:sldMkLst>
+          <pc:docMk/>
+          <pc:sldMk cId="1957216409" sldId="353"/>
+        </pc:sldMkLst>
+        <pc:picChg chg="mod">
+          <ac:chgData name="Xin Zou" userId="260b9726081dae15" providerId="LiveId" clId="{DEE92855-7029-4449-8D1C-EA3BBA661312}" dt="2019-09-12T02:04:08.103" v="12" actId="1076"/>
+          <ac:picMkLst>
+            <pc:docMk/>
+            <pc:sldMk cId="1957216409" sldId="353"/>
+            <ac:picMk id="12" creationId="{2F23FC39-9A9E-4D31-AE04-27712188C158}"/>
+          </ac:picMkLst>
+        </pc:picChg>
+      </pc:sldChg>
+    </pc:docChg>
+  </pc:docChgLst>
   <pc:docChgLst>
     <pc:chgData name="Xin Zou" userId="260b9726081dae15" providerId="LiveId" clId="{C7191B37-39E9-464A-80F0-C31627521F9C}"/>
     <pc:docChg chg="undo custSel addSld delSld modSld sldOrd modMainMaster">
@@ -1826,7 +1926,7 @@
               <a:pPr>
                 <a:defRPr/>
               </a:pPr>
-              <a:t>10/8/2018</a:t>
+              <a:t>9/12/2019</a:t>
             </a:fld>
             <a:endParaRPr lang="en-US"/>
           </a:p>
@@ -5095,7 +5195,7 @@
           <a:p>
             <a:fld id="{48A87A34-81AB-432B-8DAE-1953F412C126}" type="datetimeFigureOut">
               <a:rPr lang="en-US" smtClean="0"/>
-              <a:t>10/8/2018</a:t>
+              <a:t>9/12/2019</a:t>
             </a:fld>
             <a:endParaRPr lang="en-US" dirty="0"/>
           </a:p>
@@ -5377,7 +5477,7 @@
             <a:fld id="{48A87A34-81AB-432B-8DAE-1953F412C126}" type="datetimeFigureOut">
               <a:rPr lang="en-US" smtClean="0"/>
               <a:pPr/>
-              <a:t>10/8/2018</a:t>
+              <a:t>9/12/2019</a:t>
             </a:fld>
             <a:endParaRPr lang="en-US" dirty="0"/>
           </a:p>
@@ -5571,7 +5671,7 @@
             <a:fld id="{48A87A34-81AB-432B-8DAE-1953F412C126}" type="datetimeFigureOut">
               <a:rPr lang="en-US" smtClean="0"/>
               <a:pPr/>
-              <a:t>10/8/2018</a:t>
+              <a:t>9/12/2019</a:t>
             </a:fld>
             <a:endParaRPr lang="en-US" dirty="0"/>
           </a:p>
@@ -5834,7 +5934,7 @@
             <a:fld id="{48A87A34-81AB-432B-8DAE-1953F412C126}" type="datetimeFigureOut">
               <a:rPr lang="en-US" smtClean="0"/>
               <a:pPr/>
-              <a:t>10/8/2018</a:t>
+              <a:t>9/12/2019</a:t>
             </a:fld>
             <a:endParaRPr lang="en-US" dirty="0"/>
           </a:p>
@@ -6262,7 +6362,7 @@
             <a:fld id="{48A87A34-81AB-432B-8DAE-1953F412C126}" type="datetimeFigureOut">
               <a:rPr lang="en-US" smtClean="0"/>
               <a:pPr/>
-              <a:t>10/8/2018</a:t>
+              <a:t>9/12/2019</a:t>
             </a:fld>
             <a:endParaRPr lang="en-US" dirty="0"/>
           </a:p>
@@ -6810,7 +6910,7 @@
             <a:fld id="{48A87A34-81AB-432B-8DAE-1953F412C126}" type="datetimeFigureOut">
               <a:rPr lang="en-US" smtClean="0"/>
               <a:pPr/>
-              <a:t>10/8/2018</a:t>
+              <a:t>9/12/2019</a:t>
             </a:fld>
             <a:endParaRPr lang="en-US" dirty="0"/>
           </a:p>
@@ -7643,7 +7743,7 @@
             <a:fld id="{48A87A34-81AB-432B-8DAE-1953F412C126}" type="datetimeFigureOut">
               <a:rPr lang="en-US" smtClean="0"/>
               <a:pPr/>
-              <a:t>10/8/2018</a:t>
+              <a:t>9/12/2019</a:t>
             </a:fld>
             <a:endParaRPr lang="en-US" dirty="0"/>
           </a:p>
@@ -7814,7 +7914,7 @@
           <a:p>
             <a:fld id="{48A87A34-81AB-432B-8DAE-1953F412C126}" type="datetimeFigureOut">
               <a:rPr lang="en-US" smtClean="0"/>
-              <a:t>10/8/2018</a:t>
+              <a:t>9/12/2019</a:t>
             </a:fld>
             <a:endParaRPr lang="en-US" dirty="0"/>
           </a:p>
@@ -7994,7 +8094,7 @@
           <a:p>
             <a:fld id="{48A87A34-81AB-432B-8DAE-1953F412C126}" type="datetimeFigureOut">
               <a:rPr lang="en-US" smtClean="0"/>
-              <a:t>10/8/2018</a:t>
+              <a:t>9/12/2019</a:t>
             </a:fld>
             <a:endParaRPr lang="en-US" dirty="0"/>
           </a:p>
@@ -8164,7 +8264,7 @@
           <a:p>
             <a:fld id="{48A87A34-81AB-432B-8DAE-1953F412C126}" type="datetimeFigureOut">
               <a:rPr lang="en-US" smtClean="0"/>
-              <a:t>10/8/2018</a:t>
+              <a:t>9/12/2019</a:t>
             </a:fld>
             <a:endParaRPr lang="en-US" dirty="0"/>
           </a:p>
@@ -8421,7 +8521,7 @@
           <a:p>
             <a:fld id="{48A87A34-81AB-432B-8DAE-1953F412C126}" type="datetimeFigureOut">
               <a:rPr lang="en-US" smtClean="0"/>
-              <a:t>10/8/2018</a:t>
+              <a:t>9/12/2019</a:t>
             </a:fld>
             <a:endParaRPr lang="en-US" dirty="0"/>
           </a:p>
@@ -8653,7 +8753,7 @@
           <a:p>
             <a:fld id="{48A87A34-81AB-432B-8DAE-1953F412C126}" type="datetimeFigureOut">
               <a:rPr lang="en-US" smtClean="0"/>
-              <a:t>10/8/2018</a:t>
+              <a:t>9/12/2019</a:t>
             </a:fld>
             <a:endParaRPr lang="en-US" dirty="0"/>
           </a:p>
@@ -9046,7 +9146,7 @@
           <a:p>
             <a:fld id="{48A87A34-81AB-432B-8DAE-1953F412C126}" type="datetimeFigureOut">
               <a:rPr lang="en-US" smtClean="0"/>
-              <a:t>10/8/2018</a:t>
+              <a:t>9/12/2019</a:t>
             </a:fld>
             <a:endParaRPr lang="en-US" dirty="0"/>
           </a:p>
@@ -9164,7 +9264,7 @@
           <a:p>
             <a:fld id="{48A87A34-81AB-432B-8DAE-1953F412C126}" type="datetimeFigureOut">
               <a:rPr lang="en-US" smtClean="0"/>
-              <a:t>10/8/2018</a:t>
+              <a:t>9/12/2019</a:t>
             </a:fld>
             <a:endParaRPr lang="en-US" dirty="0"/>
           </a:p>
@@ -9259,7 +9359,7 @@
           <a:p>
             <a:fld id="{48A87A34-81AB-432B-8DAE-1953F412C126}" type="datetimeFigureOut">
               <a:rPr lang="en-US" smtClean="0"/>
-              <a:t>10/8/2018</a:t>
+              <a:t>9/12/2019</a:t>
             </a:fld>
             <a:endParaRPr lang="en-US" dirty="0"/>
           </a:p>
@@ -9532,7 +9632,7 @@
           <a:p>
             <a:fld id="{48A87A34-81AB-432B-8DAE-1953F412C126}" type="datetimeFigureOut">
               <a:rPr lang="en-US" smtClean="0"/>
-              <a:t>10/8/2018</a:t>
+              <a:t>9/12/2019</a:t>
             </a:fld>
             <a:endParaRPr lang="en-US" dirty="0"/>
           </a:p>
@@ -9813,7 +9913,7 @@
           <a:p>
             <a:fld id="{48A87A34-81AB-432B-8DAE-1953F412C126}" type="datetimeFigureOut">
               <a:rPr lang="en-US" smtClean="0"/>
-              <a:t>10/8/2018</a:t>
+              <a:t>9/12/2019</a:t>
             </a:fld>
             <a:endParaRPr lang="en-US" dirty="0"/>
           </a:p>
@@ -10054,7 +10154,7 @@
             <a:fld id="{48A87A34-81AB-432B-8DAE-1953F412C126}" type="datetimeFigureOut">
               <a:rPr lang="en-US" smtClean="0"/>
               <a:pPr/>
-              <a:t>10/8/2018</a:t>
+              <a:t>9/12/2019</a:t>
             </a:fld>
             <a:endParaRPr lang="en-US" dirty="0"/>
           </a:p>
@@ -10715,7 +10815,7 @@
               <a:rPr lang="en-US" altLang="zh-CN" sz="4000" dirty="0">
                 <a:ea typeface="SimHei" pitchFamily="49" charset="-122"/>
               </a:rPr>
-              <a:t>2018</a:t>
+              <a:t>2019</a:t>
             </a:r>
             <a:endParaRPr lang="zh-CN" altLang="en-US" sz="4000" dirty="0">
               <a:ea typeface="SimHei" pitchFamily="49" charset="-122"/>
@@ -14587,12 +14687,12 @@
             <a:pPr eaLnBrk="1" hangingPunct="1"/>
             <a:r>
               <a:rPr lang="zh-CN" altLang="en-US" dirty="0">
-                <a:ea typeface="宋体" pitchFamily="2" charset="-122"/>
+                <a:latin typeface="+mj-ea"/>
               </a:rPr>
               <a:t>软件缺陷的成本</a:t>
             </a:r>
             <a:endParaRPr lang="en-US" altLang="zh-CN" dirty="0">
-              <a:ea typeface="宋体" pitchFamily="2" charset="-122"/>
+              <a:latin typeface="+mj-ea"/>
             </a:endParaRPr>
           </a:p>
         </p:txBody>
@@ -14997,338 +15097,370 @@
         </p:nvSpPr>
         <p:spPr>
           <a:xfrm>
-            <a:off x="1981200" y="1775192"/>
-            <a:ext cx="8382000" cy="4625609"/>
+            <a:off x="914400" y="1371600"/>
+            <a:ext cx="10363200" cy="5121275"/>
           </a:xfrm>
         </p:spPr>
         <p:txBody>
           <a:bodyPr>
-            <a:normAutofit lnSpcReduction="10000"/>
+            <a:normAutofit fontScale="92500" lnSpcReduction="20000"/>
           </a:bodyPr>
           <a:lstStyle/>
           <a:p>
             <a:pPr marL="633222" indent="-514350">
+              <a:lnSpc>
+                <a:spcPct val="120000"/>
+              </a:lnSpc>
               <a:buFont typeface="+mj-lt"/>
               <a:buAutoNum type="arabicPeriod"/>
             </a:pPr>
             <a:r>
-              <a:rPr lang="zh-CN" altLang="en-US" sz="1600" dirty="0"/>
+              <a:rPr lang="zh-CN" altLang="en-US" sz="1800" dirty="0"/>
               <a:t>软件外包公司对于 </a:t>
             </a:r>
             <a:r>
-              <a:rPr lang="en-US" altLang="zh-CN" sz="1600" dirty="0"/>
+              <a:rPr lang="en-US" altLang="zh-CN" sz="1800" dirty="0"/>
               <a:t>mission-critical </a:t>
             </a:r>
             <a:r>
-              <a:rPr lang="zh-CN" altLang="en-US" sz="1600" dirty="0"/>
+              <a:rPr lang="zh-CN" altLang="en-US" sz="1800" dirty="0"/>
               <a:t>的软件模块有很完备的检查和测试，但是对于其他模块则没有完备的管理</a:t>
             </a:r>
-            <a:endParaRPr lang="en-US" altLang="zh-CN" sz="1600" dirty="0"/>
+            <a:endParaRPr lang="en-US" altLang="zh-CN" sz="1800" dirty="0"/>
           </a:p>
           <a:p>
             <a:pPr marL="633222" indent="-514350">
+              <a:lnSpc>
+                <a:spcPct val="120000"/>
+              </a:lnSpc>
               <a:buFont typeface="+mj-lt"/>
               <a:buAutoNum type="arabicPeriod"/>
             </a:pPr>
             <a:r>
-              <a:rPr lang="zh-CN" altLang="en-US" sz="1600" dirty="0"/>
+              <a:rPr lang="zh-CN" altLang="en-US" sz="1800" dirty="0"/>
               <a:t>程序员写了一个不重要的</a:t>
             </a:r>
             <a:r>
-              <a:rPr lang="en-US" altLang="zh-CN" sz="1600" dirty="0"/>
+              <a:rPr lang="en-US" altLang="zh-CN" sz="1800" dirty="0"/>
               <a:t>log </a:t>
             </a:r>
             <a:r>
-              <a:rPr lang="zh-CN" altLang="en-US" sz="1600" dirty="0"/>
+              <a:rPr lang="zh-CN" altLang="en-US" sz="1800" dirty="0"/>
               <a:t>功能，其中用英制 </a:t>
             </a:r>
             <a:r>
-              <a:rPr lang="en-US" altLang="zh-CN" sz="1600" dirty="0"/>
+              <a:rPr lang="en-US" altLang="zh-CN" sz="1800" dirty="0"/>
               <a:t>(</a:t>
             </a:r>
             <a:r>
-              <a:rPr lang="zh-CN" altLang="en-US" sz="1600" dirty="0"/>
+              <a:rPr lang="zh-CN" altLang="en-US" sz="1800" dirty="0"/>
               <a:t>磅* 英尺</a:t>
             </a:r>
             <a:r>
-              <a:rPr lang="en-US" altLang="zh-CN" sz="1600" dirty="0"/>
+              <a:rPr lang="en-US" altLang="zh-CN" sz="1800" dirty="0"/>
               <a:t>) </a:t>
             </a:r>
             <a:r>
-              <a:rPr lang="zh-CN" altLang="en-US" sz="1600" dirty="0"/>
+              <a:rPr lang="zh-CN" altLang="en-US" sz="1800" dirty="0"/>
               <a:t>表示力</a:t>
             </a:r>
             <a:r>
-              <a:rPr lang="en-US" altLang="zh-CN" sz="1600" dirty="0"/>
+              <a:rPr lang="en-US" altLang="zh-CN" sz="1800" dirty="0"/>
               <a:t>,  </a:t>
             </a:r>
             <a:r>
-              <a:rPr lang="zh-CN" altLang="en-US" sz="1600" dirty="0"/>
+              <a:rPr lang="zh-CN" altLang="en-US" sz="1800" dirty="0"/>
               <a:t>但是 </a:t>
             </a:r>
             <a:r>
-              <a:rPr lang="en-US" altLang="zh-CN" sz="1600" dirty="0"/>
+              <a:rPr lang="en-US" altLang="zh-CN" sz="1800" dirty="0"/>
               <a:t>NASA </a:t>
             </a:r>
             <a:r>
-              <a:rPr lang="zh-CN" altLang="en-US" sz="1600" dirty="0"/>
+              <a:rPr lang="zh-CN" altLang="en-US" sz="1800" dirty="0"/>
               <a:t>用“牛顿”</a:t>
             </a:r>
             <a:r>
-              <a:rPr lang="en-US" altLang="zh-CN" sz="1600" dirty="0"/>
+              <a:rPr lang="en-US" altLang="zh-CN" sz="1800" dirty="0"/>
               <a:t>=  </a:t>
             </a:r>
             <a:r>
-              <a:rPr lang="zh-CN" altLang="en-US" sz="1600" dirty="0"/>
+              <a:rPr lang="zh-CN" altLang="en-US" sz="1800" dirty="0"/>
               <a:t>千克*米</a:t>
             </a:r>
             <a:r>
-              <a:rPr lang="en-US" altLang="zh-CN" sz="1600" dirty="0"/>
+              <a:rPr lang="en-US" altLang="zh-CN" sz="1800" dirty="0"/>
               <a:t>/(</a:t>
             </a:r>
             <a:r>
-              <a:rPr lang="zh-CN" altLang="en-US" sz="1600" dirty="0"/>
+              <a:rPr lang="zh-CN" altLang="en-US" sz="1800" dirty="0"/>
               <a:t>秒*秒</a:t>
             </a:r>
             <a:r>
-              <a:rPr lang="en-US" altLang="zh-CN" sz="1600" dirty="0"/>
+              <a:rPr lang="en-US" altLang="zh-CN" sz="1800" dirty="0"/>
               <a:t>)</a:t>
             </a:r>
           </a:p>
           <a:p>
             <a:pPr marL="633222" indent="-514350">
+              <a:lnSpc>
+                <a:spcPct val="120000"/>
+              </a:lnSpc>
               <a:buFont typeface="+mj-lt"/>
               <a:buAutoNum type="arabicPeriod"/>
             </a:pPr>
             <a:r>
-              <a:rPr lang="zh-CN" altLang="en-US" sz="1600" dirty="0"/>
+              <a:rPr lang="zh-CN" altLang="en-US" sz="1800" dirty="0"/>
               <a:t>外包公司接到一个新的工程，他们进行了软件重用，</a:t>
             </a:r>
             <a:r>
-              <a:rPr lang="en-US" altLang="zh-CN" sz="1600" dirty="0"/>
+              <a:rPr lang="en-US" altLang="zh-CN" sz="1800" dirty="0"/>
               <a:t>log </a:t>
             </a:r>
             <a:r>
-              <a:rPr lang="zh-CN" altLang="en-US" sz="1600" dirty="0"/>
+              <a:rPr lang="zh-CN" altLang="en-US" sz="1800" dirty="0"/>
               <a:t>功能中记录的力被重用为导航功能的输入参数，成为 </a:t>
             </a:r>
             <a:r>
-              <a:rPr lang="en-US" altLang="zh-CN" sz="1600" dirty="0"/>
+              <a:rPr lang="en-US" altLang="zh-CN" sz="1800" dirty="0"/>
               <a:t>mission-critical </a:t>
             </a:r>
             <a:r>
-              <a:rPr lang="zh-CN" altLang="en-US" sz="1600" dirty="0"/>
+              <a:rPr lang="zh-CN" altLang="en-US" sz="1800" dirty="0"/>
               <a:t>的模块。</a:t>
             </a:r>
           </a:p>
           <a:p>
             <a:pPr marL="633222" indent="-514350">
+              <a:lnSpc>
+                <a:spcPct val="120000"/>
+              </a:lnSpc>
               <a:buFont typeface="+mj-lt"/>
               <a:buAutoNum type="arabicPeriod"/>
             </a:pPr>
             <a:r>
-              <a:rPr lang="zh-CN" altLang="en-US" sz="1600" dirty="0"/>
+              <a:rPr lang="zh-CN" altLang="en-US" sz="1800" dirty="0"/>
               <a:t>这个新的工程由发包公司 </a:t>
             </a:r>
             <a:r>
-              <a:rPr lang="en-US" altLang="zh-CN" sz="1600" dirty="0"/>
+              <a:rPr lang="en-US" altLang="zh-CN" sz="1800" dirty="0"/>
               <a:t>Lockheed (</a:t>
             </a:r>
             <a:r>
-              <a:rPr lang="zh-CN" altLang="en-US" sz="1600" dirty="0"/>
+              <a:rPr lang="zh-CN" altLang="en-US" sz="1800" dirty="0"/>
               <a:t>洛克希德公司</a:t>
             </a:r>
             <a:r>
-              <a:rPr lang="en-US" altLang="zh-CN" sz="1600" dirty="0"/>
+              <a:rPr lang="en-US" altLang="zh-CN" sz="1800" dirty="0"/>
               <a:t>) </a:t>
             </a:r>
             <a:r>
-              <a:rPr lang="zh-CN" altLang="en-US" sz="1600" dirty="0"/>
+              <a:rPr lang="zh-CN" altLang="en-US" sz="1800" dirty="0"/>
               <a:t>交给了客户 </a:t>
             </a:r>
             <a:r>
-              <a:rPr lang="en-US" altLang="zh-CN" sz="1600" dirty="0"/>
+              <a:rPr lang="en-US" altLang="zh-CN" sz="1800" dirty="0"/>
               <a:t>JPL (</a:t>
             </a:r>
             <a:r>
-              <a:rPr lang="zh-CN" altLang="en-US" sz="1600" dirty="0"/>
+              <a:rPr lang="zh-CN" altLang="en-US" sz="1800" dirty="0"/>
               <a:t>喷气推进实验室</a:t>
             </a:r>
-            <a:endParaRPr lang="en-US" altLang="zh-CN" sz="1600" dirty="0"/>
+            <a:endParaRPr lang="en-US" altLang="zh-CN" sz="1800" dirty="0"/>
           </a:p>
           <a:p>
             <a:pPr marL="633222" indent="-514350">
+              <a:lnSpc>
+                <a:spcPct val="120000"/>
+              </a:lnSpc>
               <a:buFont typeface="+mj-lt"/>
               <a:buAutoNum type="arabicPeriod"/>
             </a:pPr>
             <a:r>
-              <a:rPr lang="zh-CN" altLang="en-US" sz="1600" dirty="0"/>
+              <a:rPr lang="zh-CN" altLang="en-US" sz="1800" dirty="0"/>
               <a:t>火箭带着卫星发射了，在</a:t>
             </a:r>
             <a:r>
-              <a:rPr lang="en-US" altLang="zh-CN" sz="1600" dirty="0"/>
+              <a:rPr lang="en-US" altLang="zh-CN" sz="1800" dirty="0"/>
               <a:t>10</a:t>
             </a:r>
             <a:r>
-              <a:rPr lang="zh-CN" altLang="en-US" sz="1600" dirty="0"/>
+              <a:rPr lang="zh-CN" altLang="en-US" sz="1800" dirty="0"/>
               <a:t>个月的飞行中，</a:t>
             </a:r>
             <a:r>
-              <a:rPr lang="en-US" altLang="zh-CN" sz="1600" dirty="0"/>
+              <a:rPr lang="en-US" altLang="zh-CN" sz="1800" dirty="0"/>
               <a:t>JPL  </a:t>
             </a:r>
             <a:r>
-              <a:rPr lang="zh-CN" altLang="en-US" sz="1600" dirty="0"/>
+              <a:rPr lang="zh-CN" altLang="en-US" sz="1800" dirty="0"/>
               <a:t>可以每天两次启动小推进器，来调整太空船的航向，在这一过程中，有人发现了导航功能的一些不正常现象</a:t>
             </a:r>
             <a:r>
-              <a:rPr lang="en-US" altLang="zh-CN" sz="1600" dirty="0"/>
+              <a:rPr lang="en-US" altLang="zh-CN" sz="1800" dirty="0"/>
               <a:t>, </a:t>
             </a:r>
             <a:r>
-              <a:rPr lang="zh-CN" altLang="en-US" sz="1600" dirty="0"/>
+              <a:rPr lang="zh-CN" altLang="en-US" sz="1800" dirty="0"/>
               <a:t>于是 </a:t>
             </a:r>
             <a:r>
-              <a:rPr lang="en-US" altLang="zh-CN" sz="1600" dirty="0"/>
+              <a:rPr lang="en-US" altLang="zh-CN" sz="1800" dirty="0"/>
               <a:t>-  </a:t>
             </a:r>
           </a:p>
           <a:p>
             <a:pPr marL="925830" lvl="1" indent="-514350">
+              <a:lnSpc>
+                <a:spcPct val="120000"/>
+              </a:lnSpc>
               <a:buFont typeface="+mj-lt"/>
               <a:buAutoNum type="arabicPeriod"/>
             </a:pPr>
             <a:r>
-              <a:rPr lang="en-US" altLang="zh-CN" sz="1200" dirty="0"/>
+              <a:rPr lang="en-US" altLang="zh-CN" sz="1400" dirty="0"/>
               <a:t>JPL </a:t>
             </a:r>
             <a:r>
-              <a:rPr lang="zh-CN" altLang="en-US" sz="1200" dirty="0"/>
+              <a:rPr lang="zh-CN" altLang="en-US" sz="1400" dirty="0"/>
               <a:t>发邮件给 </a:t>
             </a:r>
             <a:r>
-              <a:rPr lang="en-US" altLang="zh-CN" sz="1200" dirty="0"/>
+              <a:rPr lang="en-US" altLang="zh-CN" sz="1400" dirty="0"/>
               <a:t>Lockheed, </a:t>
             </a:r>
             <a:r>
-              <a:rPr lang="zh-CN" altLang="en-US" sz="1200" dirty="0"/>
+              <a:rPr lang="zh-CN" altLang="en-US" sz="1400" dirty="0"/>
               <a:t>说 </a:t>
             </a:r>
             <a:r>
-              <a:rPr lang="en-US" altLang="zh-CN" sz="1200" dirty="0"/>
+              <a:rPr lang="en-US" altLang="zh-CN" sz="1400" dirty="0"/>
               <a:t>– </a:t>
             </a:r>
             <a:r>
-              <a:rPr lang="zh-CN" altLang="en-US" sz="1200" dirty="0"/>
+              <a:rPr lang="zh-CN" altLang="en-US" sz="1400" dirty="0"/>
               <a:t>这个模块有些参数看起来好像不正常</a:t>
             </a:r>
             <a:r>
-              <a:rPr lang="en-US" altLang="zh-CN" sz="1200" dirty="0"/>
+              <a:rPr lang="en-US" altLang="zh-CN" sz="1400" dirty="0"/>
               <a:t>…</a:t>
             </a:r>
           </a:p>
           <a:p>
             <a:pPr marL="925830" lvl="1" indent="-514350">
+              <a:lnSpc>
+                <a:spcPct val="120000"/>
+              </a:lnSpc>
               <a:buFont typeface="+mj-lt"/>
               <a:buAutoNum type="arabicPeriod"/>
             </a:pPr>
             <a:r>
-              <a:rPr lang="en-US" altLang="zh-CN" sz="1200" dirty="0"/>
+              <a:rPr lang="en-US" altLang="zh-CN" sz="1400" dirty="0"/>
               <a:t>Lockheed </a:t>
             </a:r>
             <a:r>
-              <a:rPr lang="zh-CN" altLang="en-US" sz="1200" dirty="0"/>
+              <a:rPr lang="zh-CN" altLang="en-US" sz="1400" dirty="0"/>
               <a:t>回邮件</a:t>
             </a:r>
             <a:r>
-              <a:rPr lang="en-US" altLang="zh-CN" sz="1200" dirty="0"/>
+              <a:rPr lang="en-US" altLang="zh-CN" sz="1400" dirty="0"/>
               <a:t>…</a:t>
             </a:r>
           </a:p>
           <a:p>
             <a:pPr marL="925830" lvl="1" indent="-514350">
+              <a:lnSpc>
+                <a:spcPct val="120000"/>
+              </a:lnSpc>
               <a:buFont typeface="+mj-lt"/>
               <a:buAutoNum type="arabicPeriod"/>
             </a:pPr>
             <a:r>
-              <a:rPr lang="en-US" altLang="zh-CN" sz="1200" dirty="0"/>
+              <a:rPr lang="en-US" altLang="zh-CN" sz="1400" dirty="0"/>
               <a:t>JPL </a:t>
             </a:r>
             <a:r>
-              <a:rPr lang="zh-CN" altLang="en-US" sz="1200" dirty="0"/>
+              <a:rPr lang="zh-CN" altLang="en-US" sz="1400" dirty="0"/>
               <a:t>再发邮件</a:t>
             </a:r>
             <a:r>
-              <a:rPr lang="en-US" altLang="zh-CN" sz="1200" dirty="0"/>
+              <a:rPr lang="en-US" altLang="zh-CN" sz="1400" dirty="0"/>
               <a:t>…</a:t>
             </a:r>
           </a:p>
           <a:p>
             <a:pPr marL="925830" lvl="1" indent="-514350">
+              <a:lnSpc>
+                <a:spcPct val="120000"/>
+              </a:lnSpc>
               <a:buFont typeface="+mj-lt"/>
               <a:buAutoNum type="arabicPeriod"/>
             </a:pPr>
             <a:r>
-              <a:rPr lang="zh-CN" altLang="en-US" sz="1200" dirty="0"/>
+              <a:rPr lang="zh-CN" altLang="en-US" sz="1400" dirty="0"/>
               <a:t>最后没有人再发邮件了</a:t>
             </a:r>
           </a:p>
           <a:p>
             <a:pPr marL="633222" indent="-514350">
+              <a:lnSpc>
+                <a:spcPct val="120000"/>
+              </a:lnSpc>
               <a:buFont typeface="+mj-lt"/>
               <a:buAutoNum type="arabicPeriod"/>
             </a:pPr>
             <a:r>
-              <a:rPr lang="zh-CN" altLang="en-US" sz="1600" dirty="0"/>
+              <a:rPr lang="zh-CN" altLang="en-US" sz="1800" dirty="0"/>
               <a:t>后来</a:t>
             </a:r>
             <a:r>
-              <a:rPr lang="en-US" altLang="zh-CN" sz="1600" dirty="0"/>
+              <a:rPr lang="en-US" altLang="zh-CN" sz="1800" dirty="0"/>
               <a:t>, JPL</a:t>
             </a:r>
             <a:r>
-              <a:rPr lang="zh-CN" altLang="en-US" sz="1600" dirty="0"/>
+              <a:rPr lang="zh-CN" altLang="en-US" sz="1800" dirty="0"/>
               <a:t>的同志认为， </a:t>
             </a:r>
             <a:r>
-              <a:rPr lang="en-US" altLang="zh-CN" sz="1600" dirty="0"/>
+              <a:rPr lang="en-US" altLang="zh-CN" sz="1800" dirty="0"/>
               <a:t>Lockheed </a:t>
             </a:r>
             <a:r>
-              <a:rPr lang="zh-CN" altLang="en-US" sz="1600" dirty="0"/>
+              <a:rPr lang="zh-CN" altLang="en-US" sz="1800" dirty="0"/>
               <a:t>的同志们估计已经搞定了。   </a:t>
             </a:r>
             <a:r>
-              <a:rPr lang="en-US" altLang="zh-CN" sz="1600" dirty="0"/>
+              <a:rPr lang="en-US" altLang="zh-CN" sz="1800" dirty="0"/>
               <a:t>Lockheed </a:t>
             </a:r>
             <a:r>
-              <a:rPr lang="zh-CN" altLang="en-US" sz="1600" dirty="0"/>
+              <a:rPr lang="zh-CN" altLang="en-US" sz="1800" dirty="0"/>
               <a:t>的同志认为， </a:t>
             </a:r>
             <a:r>
-              <a:rPr lang="en-US" altLang="zh-CN" sz="1600" dirty="0"/>
+              <a:rPr lang="en-US" altLang="zh-CN" sz="1800" dirty="0"/>
               <a:t>JPL </a:t>
             </a:r>
             <a:r>
-              <a:rPr lang="zh-CN" altLang="en-US" sz="1600" dirty="0"/>
+              <a:rPr lang="zh-CN" altLang="en-US" sz="1800" dirty="0"/>
               <a:t>的同志们没再追问这个问题，可能已经不是问题了</a:t>
             </a:r>
             <a:r>
-              <a:rPr lang="en-US" altLang="zh-CN" sz="1600" dirty="0"/>
+              <a:rPr lang="en-US" altLang="zh-CN" sz="1800" dirty="0"/>
               <a:t> </a:t>
             </a:r>
           </a:p>
           <a:p>
-            <a:endParaRPr lang="en-US" altLang="zh-CN" sz="1600" dirty="0"/>
-          </a:p>
-          <a:p>
-            <a:r>
-              <a:rPr lang="zh-CN" altLang="en-US" sz="1600" dirty="0"/>
+            <a:pPr>
+              <a:lnSpc>
+                <a:spcPct val="120000"/>
+              </a:lnSpc>
+            </a:pPr>
+            <a:r>
+              <a:rPr lang="zh-CN" altLang="en-US" sz="1800" dirty="0"/>
               <a:t>十个月之后， 卫星抵达火星大气层，错误的导航参数造成卫星坠入大气层烧毁。 </a:t>
             </a:r>
-            <a:endParaRPr lang="en-US" sz="1600" dirty="0"/>
+            <a:endParaRPr lang="en-US" sz="1800" dirty="0"/>
           </a:p>
         </p:txBody>
       </p:sp>
@@ -17541,7 +17673,7 @@
         </p:blipFill>
         <p:spPr>
           <a:xfrm>
-            <a:off x="1522506" y="2234774"/>
+            <a:off x="1524000" y="1676400"/>
             <a:ext cx="9144000" cy="4623227"/>
           </a:xfrm>
           <a:prstGeom prst="rect">
@@ -18524,7 +18656,7 @@
             </a:r>
             <a:r>
               <a:rPr lang="en-US" altLang="zh-CN" dirty="0"/>
-              <a:t>8</a:t>
+              <a:t>9</a:t>
             </a:r>
             <a:r>
               <a:rPr lang="zh-CN" altLang="en-US" dirty="0"/>
@@ -19758,11 +19890,14 @@
         <p:spPr/>
         <p:txBody>
           <a:bodyPr>
-            <a:normAutofit fontScale="70000" lnSpcReduction="20000"/>
+            <a:normAutofit fontScale="62500" lnSpcReduction="20000"/>
           </a:bodyPr>
           <a:lstStyle/>
           <a:p>
             <a:pPr marL="118872" indent="0">
+              <a:lnSpc>
+                <a:spcPct val="120000"/>
+              </a:lnSpc>
               <a:buNone/>
             </a:pPr>
             <a:r>
@@ -19971,16 +20106,6 @@
               <a:t>年还会存在么，为什么？</a:t>
             </a:r>
             <a:endParaRPr lang="en-US" altLang="zh-CN" sz="2200" dirty="0"/>
-          </a:p>
-          <a:p>
-            <a:endParaRPr lang="zh-CN" altLang="en-US" dirty="0"/>
-          </a:p>
-          <a:p>
-            <a:endParaRPr lang="en-US" dirty="0"/>
-          </a:p>
-          <a:p>
-            <a:pPr eaLnBrk="1" hangingPunct="1"/>
-            <a:endParaRPr lang="en-US" dirty="0"/>
           </a:p>
         </p:txBody>
       </p:sp>
@@ -21294,12 +21419,6 @@
 </file>
 
 <file path=customXml/item1.xml><?xml version="1.0" encoding="utf-8"?>
-<p:properties xmlns:p="http://schemas.microsoft.com/office/2006/metadata/properties" xmlns:xsi="http://www.w3.org/2001/XMLSchema-instance" xmlns:pc="http://schemas.microsoft.com/office/infopath/2007/PartnerControls">
-  <documentManagement/>
-</p:properties>
-</file>
-
-<file path=customXml/item2.xml><?xml version="1.0" encoding="utf-8"?>
 <?mso-contentType ?>
 <FormTemplates xmlns="http://schemas.microsoft.com/sharepoint/v3/contenttype/forms">
   <Display>DocumentLibraryForm</Display>
@@ -21308,7 +21427,7 @@
 </FormTemplates>
 </file>
 
-<file path=customXml/item3.xml><?xml version="1.0" encoding="utf-8"?>
+<file path=customXml/item2.xml><?xml version="1.0" encoding="utf-8"?>
 <ct:contentTypeSchema xmlns:ct="http://schemas.microsoft.com/office/2006/metadata/contentType" xmlns:ma="http://schemas.microsoft.com/office/2006/metadata/properties/metaAttributes" ct:_="" ma:_="" ma:contentTypeName="Document" ma:contentTypeID="0x0101006371182FA640024E8A2815D490E1EF25" ma:contentTypeVersion="0" ma:contentTypeDescription="Create a new document." ma:contentTypeScope="" ma:versionID="3591aab47f172a2900f307f59d422227">
   <xsd:schema xmlns:xsd="http://www.w3.org/2001/XMLSchema" xmlns:xs="http://www.w3.org/2001/XMLSchema" xmlns:p="http://schemas.microsoft.com/office/2006/metadata/properties" targetNamespace="http://schemas.microsoft.com/office/2006/metadata/properties" ma:root="true" ma:fieldsID="1f28ea01430cdfb20a10736313f817e3">
     <xsd:element name="properties">
@@ -21422,16 +21541,13 @@
 </ct:contentTypeSchema>
 </file>
 
-<file path=customXml/itemProps1.xml><?xml version="1.0" encoding="utf-8"?>
-<ds:datastoreItem xmlns:ds="http://schemas.openxmlformats.org/officeDocument/2006/customXml" ds:itemID="{D5495DD4-04CD-4725-AADE-F45F611A52AA}">
-  <ds:schemaRefs>
-    <ds:schemaRef ds:uri="http://schemas.microsoft.com/office/2006/metadata/properties"/>
-    <ds:schemaRef ds:uri="http://schemas.microsoft.com/office/infopath/2007/PartnerControls"/>
-  </ds:schemaRefs>
-</ds:datastoreItem>
+<file path=customXml/item3.xml><?xml version="1.0" encoding="utf-8"?>
+<p:properties xmlns:p="http://schemas.microsoft.com/office/2006/metadata/properties" xmlns:xsi="http://www.w3.org/2001/XMLSchema-instance" xmlns:pc="http://schemas.microsoft.com/office/infopath/2007/PartnerControls">
+  <documentManagement/>
+</p:properties>
 </file>
 
-<file path=customXml/itemProps2.xml><?xml version="1.0" encoding="utf-8"?>
+<file path=customXml/itemProps1.xml><?xml version="1.0" encoding="utf-8"?>
 <ds:datastoreItem xmlns:ds="http://schemas.openxmlformats.org/officeDocument/2006/customXml" ds:itemID="{152C3F0E-25C3-4B31-B914-3A618B652002}">
   <ds:schemaRefs>
     <ds:schemaRef ds:uri="http://schemas.microsoft.com/sharepoint/v3/contenttype/forms"/>
@@ -21439,7 +21555,7 @@
 </ds:datastoreItem>
 </file>
 
-<file path=customXml/itemProps3.xml><?xml version="1.0" encoding="utf-8"?>
+<file path=customXml/itemProps2.xml><?xml version="1.0" encoding="utf-8"?>
 <ds:datastoreItem xmlns:ds="http://schemas.openxmlformats.org/officeDocument/2006/customXml" ds:itemID="{3A578484-EFC7-41EF-A5B1-C62DDCF2E328}">
   <ds:schemaRefs>
     <ds:schemaRef ds:uri="http://schemas.microsoft.com/office/2006/metadata/contentType"/>
@@ -21453,4 +21569,13 @@
     <ds:schemaRef ds:uri="http://schemas.microsoft.com/office/infopath/2007/PartnerControls"/>
   </ds:schemaRefs>
 </ds:datastoreItem>
+</file>
+
+<file path=customXml/itemProps3.xml><?xml version="1.0" encoding="utf-8"?>
+<ds:datastoreItem xmlns:ds="http://schemas.openxmlformats.org/officeDocument/2006/customXml" ds:itemID="{D5495DD4-04CD-4725-AADE-F45F611A52AA}">
+  <ds:schemaRefs>
+    <ds:schemaRef ds:uri="http://schemas.microsoft.com/office/2006/metadata/properties"/>
+    <ds:schemaRef ds:uri="http://schemas.microsoft.com/office/infopath/2007/PartnerControls"/>
+  </ds:schemaRefs>
+</ds:datastoreItem>
 </file>